--- a/assets/image/开场动画图片源.pptx
+++ b/assets/image/开场动画图片源.pptx
@@ -19,6 +19,13 @@
     <p:sldId id="263" r:id="rId14"/>
     <p:sldId id="265" r:id="rId15"/>
     <p:sldId id="266" r:id="rId16"/>
+    <p:sldId id="275" r:id="rId17"/>
+    <p:sldId id="277" r:id="rId18"/>
+    <p:sldId id="278" r:id="rId19"/>
+    <p:sldId id="279" r:id="rId20"/>
+    <p:sldId id="280" r:id="rId21"/>
+    <p:sldId id="281" r:id="rId22"/>
+    <p:sldId id="276" r:id="rId23"/>
   </p:sldIdLst>
   <p:sldSz cx="12192000" cy="6858000"/>
   <p:notesSz cx="6858000" cy="9144000"/>
@@ -3979,6 +3986,1499 @@
 </p:sld>
 </file>
 
+<file path=ppt/slides/slide15.xml><?xml version="1.0" encoding="utf-8"?>
+<p:sld xmlns:a="http://schemas.openxmlformats.org/drawingml/2006/main" xmlns:r="http://schemas.openxmlformats.org/officeDocument/2006/relationships" xmlns:p="http://schemas.openxmlformats.org/presentationml/2006/main">
+  <p:cSld>
+    <p:bg>
+      <p:bgPr>
+        <a:noFill/>
+        <a:effectLst/>
+      </p:bgPr>
+    </p:bg>
+    <p:spTree>
+      <p:nvGrpSpPr>
+        <p:cNvPr id="1" name=""/>
+        <p:cNvGrpSpPr/>
+        <p:nvPr/>
+      </p:nvGrpSpPr>
+      <p:grpSpPr/>
+      <p:sp>
+        <p:nvSpPr>
+          <p:cNvPr id="3" name="文本框 2"/>
+          <p:cNvSpPr txBox="1"/>
+          <p:nvPr/>
+        </p:nvSpPr>
+        <p:spPr>
+          <a:xfrm>
+            <a:off x="6553200" y="128905"/>
+            <a:ext cx="2888615" cy="6287135"/>
+          </a:xfrm>
+          <a:prstGeom prst="rect">
+            <a:avLst/>
+          </a:prstGeom>
+          <a:noFill/>
+        </p:spPr>
+        <p:txBody>
+          <a:bodyPr wrap="square" rtlCol="0">
+            <a:noAutofit/>
+          </a:bodyPr>
+          <a:p>
+            <a:r>
+              <a:rPr lang="zh-CN" altLang="en-US" sz="1600">
+                <a:solidFill>
+                  <a:schemeClr val="tx1"/>
+                </a:solidFill>
+                <a:latin typeface="华文楷体" panose="02010600040101010101" charset="-122"/>
+                <a:ea typeface="华文楷体" panose="02010600040101010101" charset="-122"/>
+                <a:cs typeface="华文楷体" panose="02010600040101010101" charset="-122"/>
+              </a:rPr>
+              <a:t>陶泥生春</a:t>
+            </a:r>
+            <a:endParaRPr lang="zh-CN" altLang="en-US" sz="1600">
+              <a:solidFill>
+                <a:schemeClr val="tx1"/>
+              </a:solidFill>
+              <a:latin typeface="华文楷体" panose="02010600040101010101" charset="-122"/>
+              <a:ea typeface="华文楷体" panose="02010600040101010101" charset="-122"/>
+              <a:cs typeface="华文楷体" panose="02010600040101010101" charset="-122"/>
+            </a:endParaRPr>
+          </a:p>
+          <a:p>
+            <a:endParaRPr lang="zh-CN" altLang="en-US" sz="1600">
+              <a:solidFill>
+                <a:schemeClr val="tx1"/>
+              </a:solidFill>
+              <a:latin typeface="华文楷体" panose="02010600040101010101" charset="-122"/>
+              <a:ea typeface="华文楷体" panose="02010600040101010101" charset="-122"/>
+              <a:cs typeface="华文楷体" panose="02010600040101010101" charset="-122"/>
+            </a:endParaRPr>
+          </a:p>
+          <a:p>
+            <a:r>
+              <a:rPr lang="zh-CN" altLang="en-US" sz="1600">
+                <a:solidFill>
+                  <a:schemeClr val="tx1"/>
+                </a:solidFill>
+                <a:latin typeface="华文楷体" panose="02010600040101010101" charset="-122"/>
+                <a:ea typeface="华文楷体" panose="02010600040101010101" charset="-122"/>
+                <a:cs typeface="华文楷体" panose="02010600040101010101" charset="-122"/>
+              </a:rPr>
+              <a:t>仰韶遗珍，陶盆生春。</a:t>
+            </a:r>
+            <a:endParaRPr lang="zh-CN" altLang="en-US" sz="1600">
+              <a:solidFill>
+                <a:schemeClr val="tx1"/>
+              </a:solidFill>
+              <a:latin typeface="华文楷体" panose="02010600040101010101" charset="-122"/>
+              <a:ea typeface="华文楷体" panose="02010600040101010101" charset="-122"/>
+              <a:cs typeface="华文楷体" panose="02010600040101010101" charset="-122"/>
+            </a:endParaRPr>
+          </a:p>
+          <a:p>
+            <a:endParaRPr lang="zh-CN" altLang="en-US" sz="1600">
+              <a:solidFill>
+                <a:schemeClr val="tx1"/>
+              </a:solidFill>
+              <a:latin typeface="华文楷体" panose="02010600040101010101" charset="-122"/>
+              <a:ea typeface="华文楷体" panose="02010600040101010101" charset="-122"/>
+              <a:cs typeface="华文楷体" panose="02010600040101010101" charset="-122"/>
+            </a:endParaRPr>
+          </a:p>
+          <a:p>
+            <a:r>
+              <a:rPr lang="zh-CN" altLang="en-US" sz="1600">
+                <a:solidFill>
+                  <a:schemeClr val="tx1"/>
+                </a:solidFill>
+                <a:latin typeface="华文楷体" panose="02010600040101010101" charset="-122"/>
+                <a:ea typeface="华文楷体" panose="02010600040101010101" charset="-122"/>
+                <a:cs typeface="华文楷体" panose="02010600040101010101" charset="-122"/>
+              </a:rPr>
+              <a:t>观其赤壤为胎，玄彩作纹，双鱼逐浪而游，乃合</a:t>
+            </a:r>
+            <a:r>
+              <a:rPr lang="en-US" altLang="zh-CN" sz="1600">
+                <a:solidFill>
+                  <a:schemeClr val="tx1"/>
+                </a:solidFill>
+                <a:latin typeface="华文楷体" panose="02010600040101010101" charset="-122"/>
+                <a:ea typeface="华文楷体" panose="02010600040101010101" charset="-122"/>
+                <a:cs typeface="华文楷体" panose="02010600040101010101" charset="-122"/>
+              </a:rPr>
+              <a:t>'</a:t>
+            </a:r>
+            <a:r>
+              <a:rPr lang="zh-CN" altLang="en-US" sz="1600">
+                <a:solidFill>
+                  <a:schemeClr val="tx1"/>
+                </a:solidFill>
+                <a:latin typeface="华文楷体" panose="02010600040101010101" charset="-122"/>
+                <a:ea typeface="华文楷体" panose="02010600040101010101" charset="-122"/>
+                <a:cs typeface="华文楷体" panose="02010600040101010101" charset="-122"/>
+              </a:rPr>
+              <a:t>天地交感，万物化生</a:t>
+            </a:r>
+            <a:r>
+              <a:rPr lang="en-US" altLang="zh-CN" sz="1600">
+                <a:solidFill>
+                  <a:schemeClr val="tx1"/>
+                </a:solidFill>
+                <a:latin typeface="华文楷体" panose="02010600040101010101" charset="-122"/>
+                <a:ea typeface="华文楷体" panose="02010600040101010101" charset="-122"/>
+                <a:cs typeface="华文楷体" panose="02010600040101010101" charset="-122"/>
+              </a:rPr>
+              <a:t>'</a:t>
+            </a:r>
+            <a:r>
+              <a:rPr lang="zh-CN" altLang="en-US" sz="1600">
+                <a:solidFill>
+                  <a:schemeClr val="tx1"/>
+                </a:solidFill>
+                <a:latin typeface="华文楷体" panose="02010600040101010101" charset="-122"/>
+                <a:ea typeface="华文楷体" panose="02010600040101010101" charset="-122"/>
+                <a:cs typeface="华文楷体" panose="02010600040101010101" charset="-122"/>
+              </a:rPr>
+              <a:t>之大道。</a:t>
+            </a:r>
+            <a:endParaRPr lang="zh-CN" altLang="en-US" sz="1600">
+              <a:solidFill>
+                <a:schemeClr val="tx1"/>
+              </a:solidFill>
+              <a:latin typeface="华文楷体" panose="02010600040101010101" charset="-122"/>
+              <a:ea typeface="华文楷体" panose="02010600040101010101" charset="-122"/>
+              <a:cs typeface="华文楷体" panose="02010600040101010101" charset="-122"/>
+            </a:endParaRPr>
+          </a:p>
+          <a:p>
+            <a:endParaRPr lang="zh-CN" altLang="en-US" sz="1600">
+              <a:solidFill>
+                <a:schemeClr val="tx1"/>
+              </a:solidFill>
+              <a:latin typeface="华文楷体" panose="02010600040101010101" charset="-122"/>
+              <a:ea typeface="华文楷体" panose="02010600040101010101" charset="-122"/>
+              <a:cs typeface="华文楷体" panose="02010600040101010101" charset="-122"/>
+            </a:endParaRPr>
+          </a:p>
+          <a:p>
+            <a:r>
+              <a:rPr lang="zh-CN" altLang="en-US" sz="1600">
+                <a:solidFill>
+                  <a:schemeClr val="tx1"/>
+                </a:solidFill>
+                <a:latin typeface="华文楷体" panose="02010600040101010101" charset="-122"/>
+                <a:ea typeface="华文楷体" panose="02010600040101010101" charset="-122"/>
+                <a:cs typeface="华文楷体" panose="02010600040101010101" charset="-122"/>
+              </a:rPr>
+              <a:t>此泥胎历窑火三转，终成不腐之器，恰似少年心事，经懵懂淬炼方显本真。</a:t>
+            </a:r>
+            <a:endParaRPr lang="zh-CN" altLang="en-US" sz="1600">
+              <a:solidFill>
+                <a:schemeClr val="tx1"/>
+              </a:solidFill>
+              <a:latin typeface="华文楷体" panose="02010600040101010101" charset="-122"/>
+              <a:ea typeface="华文楷体" panose="02010600040101010101" charset="-122"/>
+              <a:cs typeface="华文楷体" panose="02010600040101010101" charset="-122"/>
+            </a:endParaRPr>
+          </a:p>
+          <a:p>
+            <a:endParaRPr lang="zh-CN" altLang="en-US" sz="1600">
+              <a:solidFill>
+                <a:schemeClr val="tx1"/>
+              </a:solidFill>
+              <a:latin typeface="华文楷体" panose="02010600040101010101" charset="-122"/>
+              <a:ea typeface="华文楷体" panose="02010600040101010101" charset="-122"/>
+              <a:cs typeface="华文楷体" panose="02010600040101010101" charset="-122"/>
+            </a:endParaRPr>
+          </a:p>
+          <a:p>
+            <a:r>
+              <a:rPr lang="zh-CN" altLang="en-US" sz="1600">
+                <a:solidFill>
+                  <a:schemeClr val="tx1"/>
+                </a:solidFill>
+                <a:latin typeface="华文楷体" panose="02010600040101010101" charset="-122"/>
+                <a:ea typeface="华文楷体" panose="02010600040101010101" charset="-122"/>
+                <a:cs typeface="华文楷体" panose="02010600040101010101" charset="-122"/>
+              </a:rPr>
+              <a:t>至朴至拙的鱼纹里，藏着我华夏先民</a:t>
+            </a:r>
+            <a:r>
+              <a:rPr lang="en-US" altLang="zh-CN" sz="1600">
+                <a:solidFill>
+                  <a:schemeClr val="tx1"/>
+                </a:solidFill>
+                <a:latin typeface="华文楷体" panose="02010600040101010101" charset="-122"/>
+                <a:ea typeface="华文楷体" panose="02010600040101010101" charset="-122"/>
+                <a:cs typeface="华文楷体" panose="02010600040101010101" charset="-122"/>
+              </a:rPr>
+              <a:t>'</a:t>
+            </a:r>
+            <a:r>
+              <a:rPr lang="zh-CN" altLang="en-US" sz="1600">
+                <a:solidFill>
+                  <a:schemeClr val="tx1"/>
+                </a:solidFill>
+                <a:latin typeface="华文楷体" panose="02010600040101010101" charset="-122"/>
+                <a:ea typeface="华文楷体" panose="02010600040101010101" charset="-122"/>
+                <a:cs typeface="华文楷体" panose="02010600040101010101" charset="-122"/>
+              </a:rPr>
+              <a:t>敬天爱人</a:t>
+            </a:r>
+            <a:r>
+              <a:rPr lang="en-US" altLang="zh-CN" sz="1600">
+                <a:solidFill>
+                  <a:schemeClr val="tx1"/>
+                </a:solidFill>
+                <a:latin typeface="华文楷体" panose="02010600040101010101" charset="-122"/>
+                <a:ea typeface="华文楷体" panose="02010600040101010101" charset="-122"/>
+                <a:cs typeface="华文楷体" panose="02010600040101010101" charset="-122"/>
+              </a:rPr>
+              <a:t>'</a:t>
+            </a:r>
+            <a:r>
+              <a:rPr lang="zh-CN" altLang="en-US" sz="1600">
+                <a:solidFill>
+                  <a:schemeClr val="tx1"/>
+                </a:solidFill>
+                <a:latin typeface="华文楷体" panose="02010600040101010101" charset="-122"/>
+                <a:ea typeface="华文楷体" panose="02010600040101010101" charset="-122"/>
+                <a:cs typeface="华文楷体" panose="02010600040101010101" charset="-122"/>
+              </a:rPr>
+              <a:t>的初醒之魂。</a:t>
+            </a:r>
+            <a:endParaRPr lang="zh-CN" altLang="en-US" sz="1600">
+              <a:solidFill>
+                <a:schemeClr val="tx1"/>
+              </a:solidFill>
+              <a:latin typeface="华文楷体" panose="02010600040101010101" charset="-122"/>
+              <a:ea typeface="华文楷体" panose="02010600040101010101" charset="-122"/>
+              <a:cs typeface="华文楷体" panose="02010600040101010101" charset="-122"/>
+            </a:endParaRPr>
+          </a:p>
+        </p:txBody>
+      </p:sp>
+    </p:spTree>
+  </p:cSld>
+  <p:clrMapOvr>
+    <a:masterClrMapping/>
+  </p:clrMapOvr>
+</p:sld>
+</file>
+
+<file path=ppt/slides/slide16.xml><?xml version="1.0" encoding="utf-8"?>
+<p:sld xmlns:a="http://schemas.openxmlformats.org/drawingml/2006/main" xmlns:r="http://schemas.openxmlformats.org/officeDocument/2006/relationships" xmlns:p="http://schemas.openxmlformats.org/presentationml/2006/main">
+  <p:cSld>
+    <p:bg>
+      <p:bgPr>
+        <a:noFill/>
+        <a:effectLst/>
+      </p:bgPr>
+    </p:bg>
+    <p:spTree>
+      <p:nvGrpSpPr>
+        <p:cNvPr id="1" name=""/>
+        <p:cNvGrpSpPr/>
+        <p:nvPr/>
+      </p:nvGrpSpPr>
+      <p:grpSpPr/>
+      <p:sp>
+        <p:nvSpPr>
+          <p:cNvPr id="3" name="文本框 2"/>
+          <p:cNvSpPr txBox="1"/>
+          <p:nvPr/>
+        </p:nvSpPr>
+        <p:spPr>
+          <a:xfrm>
+            <a:off x="6553200" y="128905"/>
+            <a:ext cx="2888615" cy="6287135"/>
+          </a:xfrm>
+          <a:prstGeom prst="rect">
+            <a:avLst/>
+          </a:prstGeom>
+          <a:noFill/>
+        </p:spPr>
+        <p:txBody>
+          <a:bodyPr wrap="square" rtlCol="0">
+            <a:noAutofit/>
+          </a:bodyPr>
+          <a:p>
+            <a:r>
+              <a:rPr lang="zh-CN" altLang="en-US" sz="1600">
+                <a:solidFill>
+                  <a:schemeClr val="tx1"/>
+                </a:solidFill>
+                <a:latin typeface="华文楷体" panose="02010600040101010101" charset="-122"/>
+                <a:ea typeface="华文楷体" panose="02010600040101010101" charset="-122"/>
+                <a:cs typeface="华文楷体" panose="02010600040101010101" charset="-122"/>
+              </a:rPr>
+              <a:t>木鸢</a:t>
+            </a:r>
+            <a:r>
+              <a:rPr lang="zh-CN" altLang="en-US" sz="1600">
+                <a:solidFill>
+                  <a:schemeClr val="tx1"/>
+                </a:solidFill>
+                <a:latin typeface="华文楷体" panose="02010600040101010101" charset="-122"/>
+                <a:ea typeface="华文楷体" panose="02010600040101010101" charset="-122"/>
+                <a:cs typeface="华文楷体" panose="02010600040101010101" charset="-122"/>
+              </a:rPr>
+              <a:t>衔笑</a:t>
+            </a:r>
+            <a:endParaRPr lang="zh-CN" altLang="en-US" sz="1600">
+              <a:solidFill>
+                <a:schemeClr val="tx1"/>
+              </a:solidFill>
+              <a:latin typeface="华文楷体" panose="02010600040101010101" charset="-122"/>
+              <a:ea typeface="华文楷体" panose="02010600040101010101" charset="-122"/>
+              <a:cs typeface="华文楷体" panose="02010600040101010101" charset="-122"/>
+            </a:endParaRPr>
+          </a:p>
+          <a:p>
+            <a:endParaRPr lang="zh-CN" altLang="en-US" sz="1600">
+              <a:solidFill>
+                <a:schemeClr val="tx1"/>
+              </a:solidFill>
+              <a:latin typeface="华文楷体" panose="02010600040101010101" charset="-122"/>
+              <a:ea typeface="华文楷体" panose="02010600040101010101" charset="-122"/>
+              <a:cs typeface="华文楷体" panose="02010600040101010101" charset="-122"/>
+            </a:endParaRPr>
+          </a:p>
+          <a:p>
+            <a:r>
+              <a:rPr lang="zh-CN" altLang="en-US" sz="1600">
+                <a:solidFill>
+                  <a:schemeClr val="tx1"/>
+                </a:solidFill>
+                <a:latin typeface="华文楷体" panose="02010600040101010101" charset="-122"/>
+                <a:ea typeface="华文楷体" panose="02010600040101010101" charset="-122"/>
+                <a:cs typeface="华文楷体" panose="02010600040101010101" charset="-122"/>
+              </a:rPr>
+              <a:t>鲁门奇术，鸢翼藏玄。</a:t>
+            </a:r>
+            <a:endParaRPr lang="zh-CN" altLang="en-US" sz="1600">
+              <a:solidFill>
+                <a:schemeClr val="tx1"/>
+              </a:solidFill>
+              <a:latin typeface="华文楷体" panose="02010600040101010101" charset="-122"/>
+              <a:ea typeface="华文楷体" panose="02010600040101010101" charset="-122"/>
+              <a:cs typeface="华文楷体" panose="02010600040101010101" charset="-122"/>
+            </a:endParaRPr>
+          </a:p>
+          <a:p>
+            <a:endParaRPr lang="zh-CN" altLang="en-US" sz="1600">
+              <a:solidFill>
+                <a:schemeClr val="tx1"/>
+              </a:solidFill>
+              <a:latin typeface="华文楷体" panose="02010600040101010101" charset="-122"/>
+              <a:ea typeface="华文楷体" panose="02010600040101010101" charset="-122"/>
+              <a:cs typeface="华文楷体" panose="02010600040101010101" charset="-122"/>
+            </a:endParaRPr>
+          </a:p>
+          <a:p>
+            <a:r>
+              <a:rPr lang="zh-CN" altLang="en-US" sz="1600">
+                <a:solidFill>
+                  <a:schemeClr val="tx1"/>
+                </a:solidFill>
+                <a:latin typeface="华文楷体" panose="02010600040101010101" charset="-122"/>
+                <a:ea typeface="华文楷体" panose="02010600040101010101" charset="-122"/>
+                <a:cs typeface="华文楷体" panose="02010600040101010101" charset="-122"/>
+              </a:rPr>
+              <a:t>观其榫入卯合，阴阳相契，展翅时机关暗合周天星轨。</a:t>
+            </a:r>
+            <a:endParaRPr lang="zh-CN" altLang="en-US" sz="1600">
+              <a:solidFill>
+                <a:schemeClr val="tx1"/>
+              </a:solidFill>
+              <a:latin typeface="华文楷体" panose="02010600040101010101" charset="-122"/>
+              <a:ea typeface="华文楷体" panose="02010600040101010101" charset="-122"/>
+              <a:cs typeface="华文楷体" panose="02010600040101010101" charset="-122"/>
+            </a:endParaRPr>
+          </a:p>
+          <a:p>
+            <a:endParaRPr lang="zh-CN" altLang="en-US" sz="1600">
+              <a:solidFill>
+                <a:schemeClr val="tx1"/>
+              </a:solidFill>
+              <a:latin typeface="华文楷体" panose="02010600040101010101" charset="-122"/>
+              <a:ea typeface="华文楷体" panose="02010600040101010101" charset="-122"/>
+              <a:cs typeface="华文楷体" panose="02010600040101010101" charset="-122"/>
+            </a:endParaRPr>
+          </a:p>
+          <a:p>
+            <a:r>
+              <a:rPr lang="zh-CN" altLang="en-US" sz="1600">
+                <a:solidFill>
+                  <a:schemeClr val="tx1"/>
+                </a:solidFill>
+                <a:latin typeface="华文楷体" panose="02010600040101010101" charset="-122"/>
+                <a:ea typeface="华文楷体" panose="02010600040101010101" charset="-122"/>
+                <a:cs typeface="华文楷体" panose="02010600040101010101" charset="-122"/>
+              </a:rPr>
+              <a:t>此木鸢不藉丝线，全凭</a:t>
+            </a:r>
+            <a:r>
+              <a:rPr lang="en-US" altLang="zh-CN" sz="1600">
+                <a:solidFill>
+                  <a:schemeClr val="tx1"/>
+                </a:solidFill>
+                <a:latin typeface="华文楷体" panose="02010600040101010101" charset="-122"/>
+                <a:ea typeface="华文楷体" panose="02010600040101010101" charset="-122"/>
+                <a:cs typeface="华文楷体" panose="02010600040101010101" charset="-122"/>
+              </a:rPr>
+              <a:t>'</a:t>
+            </a:r>
+            <a:r>
+              <a:rPr lang="zh-CN" altLang="en-US" sz="1600">
+                <a:solidFill>
+                  <a:schemeClr val="tx1"/>
+                </a:solidFill>
+                <a:latin typeface="华文楷体" panose="02010600040101010101" charset="-122"/>
+                <a:ea typeface="华文楷体" panose="02010600040101010101" charset="-122"/>
+                <a:cs typeface="华文楷体" panose="02010600040101010101" charset="-122"/>
+              </a:rPr>
+              <a:t>以柔承刚，以虚纳实</a:t>
+            </a:r>
+            <a:r>
+              <a:rPr lang="en-US" altLang="zh-CN" sz="1600">
+                <a:solidFill>
+                  <a:schemeClr val="tx1"/>
+                </a:solidFill>
+                <a:latin typeface="华文楷体" panose="02010600040101010101" charset="-122"/>
+                <a:ea typeface="华文楷体" panose="02010600040101010101" charset="-122"/>
+                <a:cs typeface="华文楷体" panose="02010600040101010101" charset="-122"/>
+              </a:rPr>
+              <a:t>'</a:t>
+            </a:r>
+            <a:r>
+              <a:rPr lang="zh-CN" altLang="en-US" sz="1600">
+                <a:solidFill>
+                  <a:schemeClr val="tx1"/>
+                </a:solidFill>
+                <a:latin typeface="华文楷体" panose="02010600040101010101" charset="-122"/>
+                <a:ea typeface="华文楷体" panose="02010600040101010101" charset="-122"/>
+                <a:cs typeface="华文楷体" panose="02010600040101010101" charset="-122"/>
+              </a:rPr>
+              <a:t>的东方巧思，恰似少年乍见故人时，心窍里那声未出口的惊叹。</a:t>
+            </a:r>
+            <a:endParaRPr lang="zh-CN" altLang="en-US" sz="1600">
+              <a:solidFill>
+                <a:schemeClr val="tx1"/>
+              </a:solidFill>
+              <a:latin typeface="华文楷体" panose="02010600040101010101" charset="-122"/>
+              <a:ea typeface="华文楷体" panose="02010600040101010101" charset="-122"/>
+              <a:cs typeface="华文楷体" panose="02010600040101010101" charset="-122"/>
+            </a:endParaRPr>
+          </a:p>
+          <a:p>
+            <a:endParaRPr lang="zh-CN" altLang="en-US" sz="1600">
+              <a:solidFill>
+                <a:schemeClr val="tx1"/>
+              </a:solidFill>
+              <a:latin typeface="华文楷体" panose="02010600040101010101" charset="-122"/>
+              <a:ea typeface="华文楷体" panose="02010600040101010101" charset="-122"/>
+              <a:cs typeface="华文楷体" panose="02010600040101010101" charset="-122"/>
+            </a:endParaRPr>
+          </a:p>
+          <a:p>
+            <a:r>
+              <a:rPr lang="zh-CN" altLang="en-US" sz="1600">
+                <a:solidFill>
+                  <a:schemeClr val="tx1"/>
+                </a:solidFill>
+                <a:latin typeface="华文楷体" panose="02010600040101010101" charset="-122"/>
+                <a:ea typeface="华文楷体" panose="02010600040101010101" charset="-122"/>
+                <a:cs typeface="华文楷体" panose="02010600040101010101" charset="-122"/>
+              </a:rPr>
+              <a:t>至精至微的榫卯间，锁着华夏匠人</a:t>
+            </a:r>
+            <a:r>
+              <a:rPr lang="en-US" altLang="zh-CN" sz="1600">
+                <a:solidFill>
+                  <a:schemeClr val="tx1"/>
+                </a:solidFill>
+                <a:latin typeface="华文楷体" panose="02010600040101010101" charset="-122"/>
+                <a:ea typeface="华文楷体" panose="02010600040101010101" charset="-122"/>
+                <a:cs typeface="华文楷体" panose="02010600040101010101" charset="-122"/>
+              </a:rPr>
+              <a:t>'</a:t>
+            </a:r>
+            <a:r>
+              <a:rPr lang="zh-CN" altLang="en-US" sz="1600">
+                <a:solidFill>
+                  <a:schemeClr val="tx1"/>
+                </a:solidFill>
+                <a:latin typeface="华文楷体" panose="02010600040101010101" charset="-122"/>
+                <a:ea typeface="华文楷体" panose="02010600040101010101" charset="-122"/>
+                <a:cs typeface="华文楷体" panose="02010600040101010101" charset="-122"/>
+              </a:rPr>
+              <a:t>道器合一</a:t>
+            </a:r>
+            <a:r>
+              <a:rPr lang="en-US" altLang="zh-CN" sz="1600">
+                <a:solidFill>
+                  <a:schemeClr val="tx1"/>
+                </a:solidFill>
+                <a:latin typeface="华文楷体" panose="02010600040101010101" charset="-122"/>
+                <a:ea typeface="华文楷体" panose="02010600040101010101" charset="-122"/>
+                <a:cs typeface="华文楷体" panose="02010600040101010101" charset="-122"/>
+              </a:rPr>
+              <a:t>'</a:t>
+            </a:r>
+            <a:r>
+              <a:rPr lang="zh-CN" altLang="en-US" sz="1600">
+                <a:solidFill>
+                  <a:schemeClr val="tx1"/>
+                </a:solidFill>
+                <a:latin typeface="华文楷体" panose="02010600040101010101" charset="-122"/>
+                <a:ea typeface="华文楷体" panose="02010600040101010101" charset="-122"/>
+                <a:cs typeface="华文楷体" panose="02010600040101010101" charset="-122"/>
+              </a:rPr>
+              <a:t>的千古魂魄。</a:t>
+            </a:r>
+            <a:endParaRPr lang="zh-CN" altLang="en-US" sz="1600">
+              <a:solidFill>
+                <a:schemeClr val="tx1"/>
+              </a:solidFill>
+              <a:latin typeface="华文楷体" panose="02010600040101010101" charset="-122"/>
+              <a:ea typeface="华文楷体" panose="02010600040101010101" charset="-122"/>
+              <a:cs typeface="华文楷体" panose="02010600040101010101" charset="-122"/>
+            </a:endParaRPr>
+          </a:p>
+        </p:txBody>
+      </p:sp>
+    </p:spTree>
+  </p:cSld>
+  <p:clrMapOvr>
+    <a:masterClrMapping/>
+  </p:clrMapOvr>
+</p:sld>
+</file>
+
+<file path=ppt/slides/slide17.xml><?xml version="1.0" encoding="utf-8"?>
+<p:sld xmlns:a="http://schemas.openxmlformats.org/drawingml/2006/main" xmlns:r="http://schemas.openxmlformats.org/officeDocument/2006/relationships" xmlns:p="http://schemas.openxmlformats.org/presentationml/2006/main">
+  <p:cSld>
+    <p:bg>
+      <p:bgPr>
+        <a:noFill/>
+        <a:effectLst/>
+      </p:bgPr>
+    </p:bg>
+    <p:spTree>
+      <p:nvGrpSpPr>
+        <p:cNvPr id="1" name=""/>
+        <p:cNvGrpSpPr/>
+        <p:nvPr/>
+      </p:nvGrpSpPr>
+      <p:grpSpPr/>
+      <p:sp>
+        <p:nvSpPr>
+          <p:cNvPr id="3" name="文本框 2"/>
+          <p:cNvSpPr txBox="1"/>
+          <p:nvPr/>
+        </p:nvSpPr>
+        <p:spPr>
+          <a:xfrm>
+            <a:off x="6553200" y="128905"/>
+            <a:ext cx="2888615" cy="6287135"/>
+          </a:xfrm>
+          <a:prstGeom prst="rect">
+            <a:avLst/>
+          </a:prstGeom>
+          <a:noFill/>
+        </p:spPr>
+        <p:txBody>
+          <a:bodyPr wrap="square" rtlCol="0">
+            <a:noAutofit/>
+          </a:bodyPr>
+          <a:p>
+            <a:r>
+              <a:rPr lang="zh-CN" altLang="en-US" sz="1600">
+                <a:solidFill>
+                  <a:schemeClr val="tx1"/>
+                </a:solidFill>
+                <a:latin typeface="华文楷体" panose="02010600040101010101" charset="-122"/>
+                <a:ea typeface="华文楷体" panose="02010600040101010101" charset="-122"/>
+                <a:cs typeface="华文楷体" panose="02010600040101010101" charset="-122"/>
+              </a:rPr>
+              <a:t>塞上</a:t>
+            </a:r>
+            <a:r>
+              <a:rPr lang="zh-CN" altLang="en-US" sz="1600">
+                <a:solidFill>
+                  <a:schemeClr val="tx1"/>
+                </a:solidFill>
+                <a:latin typeface="华文楷体" panose="02010600040101010101" charset="-122"/>
+                <a:ea typeface="华文楷体" panose="02010600040101010101" charset="-122"/>
+                <a:cs typeface="华文楷体" panose="02010600040101010101" charset="-122"/>
+              </a:rPr>
+              <a:t>听风</a:t>
+            </a:r>
+            <a:endParaRPr lang="zh-CN" altLang="en-US" sz="1600">
+              <a:solidFill>
+                <a:schemeClr val="tx1"/>
+              </a:solidFill>
+              <a:latin typeface="华文楷体" panose="02010600040101010101" charset="-122"/>
+              <a:ea typeface="华文楷体" panose="02010600040101010101" charset="-122"/>
+              <a:cs typeface="华文楷体" panose="02010600040101010101" charset="-122"/>
+            </a:endParaRPr>
+          </a:p>
+          <a:p>
+            <a:endParaRPr lang="zh-CN" altLang="en-US" sz="1600">
+              <a:solidFill>
+                <a:schemeClr val="tx1"/>
+              </a:solidFill>
+              <a:latin typeface="华文楷体" panose="02010600040101010101" charset="-122"/>
+              <a:ea typeface="华文楷体" panose="02010600040101010101" charset="-122"/>
+              <a:cs typeface="华文楷体" panose="02010600040101010101" charset="-122"/>
+            </a:endParaRPr>
+          </a:p>
+          <a:p>
+            <a:r>
+              <a:rPr lang="zh-CN" altLang="en-US" sz="1600">
+                <a:solidFill>
+                  <a:schemeClr val="tx1"/>
+                </a:solidFill>
+                <a:latin typeface="华文楷体" panose="02010600040101010101" charset="-122"/>
+                <a:ea typeface="华文楷体" panose="02010600040101010101" charset="-122"/>
+                <a:cs typeface="华文楷体" panose="02010600040101010101" charset="-122"/>
+              </a:rPr>
+              <a:t>青冢黄昏，孤雁衔魂。</a:t>
+            </a:r>
+            <a:endParaRPr lang="zh-CN" altLang="en-US" sz="1600">
+              <a:solidFill>
+                <a:schemeClr val="tx1"/>
+              </a:solidFill>
+              <a:latin typeface="华文楷体" panose="02010600040101010101" charset="-122"/>
+              <a:ea typeface="华文楷体" panose="02010600040101010101" charset="-122"/>
+              <a:cs typeface="华文楷体" panose="02010600040101010101" charset="-122"/>
+            </a:endParaRPr>
+          </a:p>
+          <a:p>
+            <a:endParaRPr lang="zh-CN" altLang="en-US" sz="1600">
+              <a:solidFill>
+                <a:schemeClr val="tx1"/>
+              </a:solidFill>
+              <a:latin typeface="华文楷体" panose="02010600040101010101" charset="-122"/>
+              <a:ea typeface="华文楷体" panose="02010600040101010101" charset="-122"/>
+              <a:cs typeface="华文楷体" panose="02010600040101010101" charset="-122"/>
+            </a:endParaRPr>
+          </a:p>
+          <a:p>
+            <a:r>
+              <a:rPr lang="zh-CN" altLang="en-US" sz="1600">
+                <a:solidFill>
+                  <a:schemeClr val="tx1"/>
+                </a:solidFill>
+                <a:latin typeface="华文楷体" panose="02010600040101010101" charset="-122"/>
+                <a:ea typeface="华文楷体" panose="02010600040101010101" charset="-122"/>
+                <a:cs typeface="华文楷体" panose="02010600040101010101" charset="-122"/>
+              </a:rPr>
+              <a:t>望其锦裘映雪，环佩凝霜，怀抱中未展的汉家山河。</a:t>
+            </a:r>
+            <a:endParaRPr lang="zh-CN" altLang="en-US" sz="1600">
+              <a:solidFill>
+                <a:schemeClr val="tx1"/>
+              </a:solidFill>
+              <a:latin typeface="华文楷体" panose="02010600040101010101" charset="-122"/>
+              <a:ea typeface="华文楷体" panose="02010600040101010101" charset="-122"/>
+              <a:cs typeface="华文楷体" panose="02010600040101010101" charset="-122"/>
+            </a:endParaRPr>
+          </a:p>
+          <a:p>
+            <a:endParaRPr lang="zh-CN" altLang="en-US" sz="1600">
+              <a:solidFill>
+                <a:schemeClr val="tx1"/>
+              </a:solidFill>
+              <a:latin typeface="华文楷体" panose="02010600040101010101" charset="-122"/>
+              <a:ea typeface="华文楷体" panose="02010600040101010101" charset="-122"/>
+              <a:cs typeface="华文楷体" panose="02010600040101010101" charset="-122"/>
+            </a:endParaRPr>
+          </a:p>
+          <a:p>
+            <a:r>
+              <a:rPr lang="zh-CN" altLang="en-US" sz="1600">
+                <a:solidFill>
+                  <a:schemeClr val="tx1"/>
+                </a:solidFill>
+                <a:latin typeface="华文楷体" panose="02010600040101010101" charset="-122"/>
+                <a:ea typeface="华文楷体" panose="02010600040101010101" charset="-122"/>
+                <a:cs typeface="华文楷体" panose="02010600040101010101" charset="-122"/>
+              </a:rPr>
+              <a:t>此红颜不画蛾眉，甘作</a:t>
+            </a:r>
+            <a:r>
+              <a:rPr lang="en-US" altLang="zh-CN" sz="1600">
+                <a:solidFill>
+                  <a:schemeClr val="tx1"/>
+                </a:solidFill>
+                <a:latin typeface="华文楷体" panose="02010600040101010101" charset="-122"/>
+                <a:ea typeface="华文楷体" panose="02010600040101010101" charset="-122"/>
+                <a:cs typeface="华文楷体" panose="02010600040101010101" charset="-122"/>
+              </a:rPr>
+              <a:t>'</a:t>
+            </a:r>
+            <a:r>
+              <a:rPr lang="zh-CN" altLang="en-US" sz="1600">
+                <a:solidFill>
+                  <a:schemeClr val="tx1"/>
+                </a:solidFill>
+                <a:latin typeface="华文楷体" panose="02010600040101010101" charset="-122"/>
+                <a:ea typeface="华文楷体" panose="02010600040101010101" charset="-122"/>
+                <a:cs typeface="华文楷体" panose="02010600040101010101" charset="-122"/>
+              </a:rPr>
+              <a:t>止戈系帛</a:t>
+            </a:r>
+            <a:r>
+              <a:rPr lang="en-US" altLang="zh-CN" sz="1600">
+                <a:solidFill>
+                  <a:schemeClr val="tx1"/>
+                </a:solidFill>
+                <a:latin typeface="华文楷体" panose="02010600040101010101" charset="-122"/>
+                <a:ea typeface="华文楷体" panose="02010600040101010101" charset="-122"/>
+                <a:cs typeface="华文楷体" panose="02010600040101010101" charset="-122"/>
+              </a:rPr>
+              <a:t>'</a:t>
+            </a:r>
+            <a:r>
+              <a:rPr lang="zh-CN" altLang="en-US" sz="1600">
+                <a:solidFill>
+                  <a:schemeClr val="tx1"/>
+                </a:solidFill>
+                <a:latin typeface="华文楷体" panose="02010600040101010101" charset="-122"/>
+                <a:ea typeface="华文楷体" panose="02010600040101010101" charset="-122"/>
+                <a:cs typeface="华文楷体" panose="02010600040101010101" charset="-122"/>
+              </a:rPr>
+              <a:t>的玉门柳，恰似少年隔尘望断处，喉间那句未唤的故人名。</a:t>
+            </a:r>
+            <a:endParaRPr lang="zh-CN" altLang="en-US" sz="1600">
+              <a:solidFill>
+                <a:schemeClr val="tx1"/>
+              </a:solidFill>
+              <a:latin typeface="华文楷体" panose="02010600040101010101" charset="-122"/>
+              <a:ea typeface="华文楷体" panose="02010600040101010101" charset="-122"/>
+              <a:cs typeface="华文楷体" panose="02010600040101010101" charset="-122"/>
+            </a:endParaRPr>
+          </a:p>
+          <a:p>
+            <a:endParaRPr lang="zh-CN" altLang="en-US" sz="1600">
+              <a:solidFill>
+                <a:schemeClr val="tx1"/>
+              </a:solidFill>
+              <a:latin typeface="华文楷体" panose="02010600040101010101" charset="-122"/>
+              <a:ea typeface="华文楷体" panose="02010600040101010101" charset="-122"/>
+              <a:cs typeface="华文楷体" panose="02010600040101010101" charset="-122"/>
+            </a:endParaRPr>
+          </a:p>
+          <a:p>
+            <a:r>
+              <a:rPr lang="zh-CN" altLang="en-US" sz="1600">
+                <a:solidFill>
+                  <a:schemeClr val="tx1"/>
+                </a:solidFill>
+                <a:latin typeface="华文楷体" panose="02010600040101010101" charset="-122"/>
+                <a:ea typeface="华文楷体" panose="02010600040101010101" charset="-122"/>
+                <a:cs typeface="华文楷体" panose="02010600040101010101" charset="-122"/>
+              </a:rPr>
+              <a:t>至寂至寥的孤鸿影里，驮着华夏</a:t>
+            </a:r>
+            <a:r>
+              <a:rPr lang="en-US" altLang="zh-CN" sz="1600">
+                <a:solidFill>
+                  <a:schemeClr val="tx1"/>
+                </a:solidFill>
+                <a:latin typeface="华文楷体" panose="02010600040101010101" charset="-122"/>
+                <a:ea typeface="华文楷体" panose="02010600040101010101" charset="-122"/>
+                <a:cs typeface="华文楷体" panose="02010600040101010101" charset="-122"/>
+              </a:rPr>
+              <a:t>'</a:t>
+            </a:r>
+            <a:r>
+              <a:rPr lang="zh-CN" altLang="en-US" sz="1600">
+                <a:solidFill>
+                  <a:schemeClr val="tx1"/>
+                </a:solidFill>
+                <a:latin typeface="华文楷体" panose="02010600040101010101" charset="-122"/>
+                <a:ea typeface="华文楷体" panose="02010600040101010101" charset="-122"/>
+                <a:cs typeface="华文楷体" panose="02010600040101010101" charset="-122"/>
+              </a:rPr>
+              <a:t>魂归桑梓</a:t>
+            </a:r>
+            <a:r>
+              <a:rPr lang="en-US" altLang="zh-CN" sz="1600">
+                <a:solidFill>
+                  <a:schemeClr val="tx1"/>
+                </a:solidFill>
+                <a:latin typeface="华文楷体" panose="02010600040101010101" charset="-122"/>
+                <a:ea typeface="华文楷体" panose="02010600040101010101" charset="-122"/>
+                <a:cs typeface="华文楷体" panose="02010600040101010101" charset="-122"/>
+              </a:rPr>
+              <a:t>'</a:t>
+            </a:r>
+            <a:r>
+              <a:rPr lang="zh-CN" altLang="en-US" sz="1600">
+                <a:solidFill>
+                  <a:schemeClr val="tx1"/>
+                </a:solidFill>
+                <a:latin typeface="华文楷体" panose="02010600040101010101" charset="-122"/>
+                <a:ea typeface="华文楷体" panose="02010600040101010101" charset="-122"/>
+                <a:cs typeface="华文楷体" panose="02010600040101010101" charset="-122"/>
+              </a:rPr>
+              <a:t>的千秋血盟。</a:t>
+            </a:r>
+            <a:endParaRPr lang="zh-CN" altLang="en-US" sz="1600">
+              <a:solidFill>
+                <a:schemeClr val="tx1"/>
+              </a:solidFill>
+              <a:latin typeface="华文楷体" panose="02010600040101010101" charset="-122"/>
+              <a:ea typeface="华文楷体" panose="02010600040101010101" charset="-122"/>
+              <a:cs typeface="华文楷体" panose="02010600040101010101" charset="-122"/>
+            </a:endParaRPr>
+          </a:p>
+        </p:txBody>
+      </p:sp>
+    </p:spTree>
+  </p:cSld>
+  <p:clrMapOvr>
+    <a:masterClrMapping/>
+  </p:clrMapOvr>
+</p:sld>
+</file>
+
+<file path=ppt/slides/slide18.xml><?xml version="1.0" encoding="utf-8"?>
+<p:sld xmlns:a="http://schemas.openxmlformats.org/drawingml/2006/main" xmlns:r="http://schemas.openxmlformats.org/officeDocument/2006/relationships" xmlns:p="http://schemas.openxmlformats.org/presentationml/2006/main">
+  <p:cSld>
+    <p:bg>
+      <p:bgPr>
+        <a:noFill/>
+        <a:effectLst/>
+      </p:bgPr>
+    </p:bg>
+    <p:spTree>
+      <p:nvGrpSpPr>
+        <p:cNvPr id="1" name=""/>
+        <p:cNvGrpSpPr/>
+        <p:nvPr/>
+      </p:nvGrpSpPr>
+      <p:grpSpPr/>
+      <p:sp>
+        <p:nvSpPr>
+          <p:cNvPr id="3" name="文本框 2"/>
+          <p:cNvSpPr txBox="1"/>
+          <p:nvPr/>
+        </p:nvSpPr>
+        <p:spPr>
+          <a:xfrm>
+            <a:off x="6553200" y="128905"/>
+            <a:ext cx="2888615" cy="6287135"/>
+          </a:xfrm>
+          <a:prstGeom prst="rect">
+            <a:avLst/>
+          </a:prstGeom>
+          <a:noFill/>
+        </p:spPr>
+        <p:txBody>
+          <a:bodyPr wrap="square" rtlCol="0">
+            <a:noAutofit/>
+          </a:bodyPr>
+          <a:p>
+            <a:r>
+              <a:rPr lang="zh-CN" altLang="en-US" sz="1600">
+                <a:solidFill>
+                  <a:schemeClr val="tx1"/>
+                </a:solidFill>
+                <a:latin typeface="华文楷体" panose="02010600040101010101" charset="-122"/>
+                <a:ea typeface="华文楷体" panose="02010600040101010101" charset="-122"/>
+                <a:cs typeface="华文楷体" panose="02010600040101010101" charset="-122"/>
+              </a:rPr>
+              <a:t>弦外</a:t>
+            </a:r>
+            <a:r>
+              <a:rPr lang="zh-CN" altLang="en-US" sz="1600">
+                <a:solidFill>
+                  <a:schemeClr val="tx1"/>
+                </a:solidFill>
+                <a:latin typeface="华文楷体" panose="02010600040101010101" charset="-122"/>
+                <a:ea typeface="华文楷体" panose="02010600040101010101" charset="-122"/>
+                <a:cs typeface="华文楷体" panose="02010600040101010101" charset="-122"/>
+              </a:rPr>
+              <a:t>知音</a:t>
+            </a:r>
+            <a:endParaRPr lang="zh-CN" altLang="en-US" sz="1600">
+              <a:solidFill>
+                <a:schemeClr val="tx1"/>
+              </a:solidFill>
+              <a:latin typeface="华文楷体" panose="02010600040101010101" charset="-122"/>
+              <a:ea typeface="华文楷体" panose="02010600040101010101" charset="-122"/>
+              <a:cs typeface="华文楷体" panose="02010600040101010101" charset="-122"/>
+            </a:endParaRPr>
+          </a:p>
+          <a:p>
+            <a:endParaRPr lang="zh-CN" altLang="en-US" sz="1600">
+              <a:solidFill>
+                <a:schemeClr val="tx1"/>
+              </a:solidFill>
+              <a:latin typeface="华文楷体" panose="02010600040101010101" charset="-122"/>
+              <a:ea typeface="华文楷体" panose="02010600040101010101" charset="-122"/>
+              <a:cs typeface="华文楷体" panose="02010600040101010101" charset="-122"/>
+            </a:endParaRPr>
+          </a:p>
+          <a:p>
+            <a:r>
+              <a:rPr lang="zh-CN" altLang="en-US" sz="1600">
+                <a:solidFill>
+                  <a:schemeClr val="tx1"/>
+                </a:solidFill>
+                <a:latin typeface="华文楷体" panose="02010600040101010101" charset="-122"/>
+                <a:ea typeface="华文楷体" panose="02010600040101010101" charset="-122"/>
+                <a:cs typeface="华文楷体" panose="02010600040101010101" charset="-122"/>
+              </a:rPr>
+              <a:t>教坊惊弦，</a:t>
+            </a:r>
+            <a:r>
+              <a:rPr lang="zh-CN" altLang="en-US" sz="1600">
+                <a:solidFill>
+                  <a:schemeClr val="tx1"/>
+                </a:solidFill>
+                <a:latin typeface="华文楷体" panose="02010600040101010101" charset="-122"/>
+                <a:ea typeface="华文楷体" panose="02010600040101010101" charset="-122"/>
+                <a:cs typeface="华文楷体" panose="02010600040101010101" charset="-122"/>
+              </a:rPr>
+              <a:t>曲韵破云。</a:t>
+            </a:r>
+            <a:endParaRPr lang="zh-CN" altLang="en-US" sz="1600">
+              <a:solidFill>
+                <a:schemeClr val="tx1"/>
+              </a:solidFill>
+              <a:latin typeface="华文楷体" panose="02010600040101010101" charset="-122"/>
+              <a:ea typeface="华文楷体" panose="02010600040101010101" charset="-122"/>
+              <a:cs typeface="华文楷体" panose="02010600040101010101" charset="-122"/>
+            </a:endParaRPr>
+          </a:p>
+          <a:p>
+            <a:endParaRPr lang="zh-CN" altLang="en-US" sz="1600">
+              <a:solidFill>
+                <a:schemeClr val="tx1"/>
+              </a:solidFill>
+              <a:latin typeface="华文楷体" panose="02010600040101010101" charset="-122"/>
+              <a:ea typeface="华文楷体" panose="02010600040101010101" charset="-122"/>
+              <a:cs typeface="华文楷体" panose="02010600040101010101" charset="-122"/>
+            </a:endParaRPr>
+          </a:p>
+          <a:p>
+            <a:r>
+              <a:rPr lang="zh-CN" altLang="en-US" sz="1600">
+                <a:solidFill>
+                  <a:schemeClr val="tx1"/>
+                </a:solidFill>
+                <a:latin typeface="华文楷体" panose="02010600040101010101" charset="-122"/>
+                <a:ea typeface="华文楷体" panose="02010600040101010101" charset="-122"/>
+                <a:cs typeface="华文楷体" panose="02010600040101010101" charset="-122"/>
+              </a:rPr>
+              <a:t>听其声裂霓裳，调融冰火，五弦间奔涌着</a:t>
+            </a:r>
+            <a:r>
+              <a:rPr lang="en-US" altLang="zh-CN" sz="1600">
+                <a:solidFill>
+                  <a:schemeClr val="tx1"/>
+                </a:solidFill>
+                <a:latin typeface="华文楷体" panose="02010600040101010101" charset="-122"/>
+                <a:ea typeface="华文楷体" panose="02010600040101010101" charset="-122"/>
+                <a:cs typeface="华文楷体" panose="02010600040101010101" charset="-122"/>
+              </a:rPr>
+              <a:t>'</a:t>
+            </a:r>
+            <a:r>
+              <a:rPr lang="zh-CN" altLang="en-US" sz="1600">
+                <a:solidFill>
+                  <a:schemeClr val="tx1"/>
+                </a:solidFill>
+                <a:latin typeface="华文楷体" panose="02010600040101010101" charset="-122"/>
+                <a:ea typeface="华文楷体" panose="02010600040101010101" charset="-122"/>
+                <a:cs typeface="华文楷体" panose="02010600040101010101" charset="-122"/>
+              </a:rPr>
+              <a:t>雨过天青</a:t>
+            </a:r>
+            <a:r>
+              <a:rPr lang="en-US" altLang="zh-CN" sz="1600">
+                <a:solidFill>
+                  <a:schemeClr val="tx1"/>
+                </a:solidFill>
+                <a:latin typeface="华文楷体" panose="02010600040101010101" charset="-122"/>
+                <a:ea typeface="华文楷体" panose="02010600040101010101" charset="-122"/>
+                <a:cs typeface="华文楷体" panose="02010600040101010101" charset="-122"/>
+              </a:rPr>
+              <a:t>'</a:t>
+            </a:r>
+            <a:r>
+              <a:rPr lang="zh-CN" altLang="en-US" sz="1600">
+                <a:solidFill>
+                  <a:schemeClr val="tx1"/>
+                </a:solidFill>
+                <a:latin typeface="华文楷体" panose="02010600040101010101" charset="-122"/>
+                <a:ea typeface="华文楷体" panose="02010600040101010101" charset="-122"/>
+                <a:cs typeface="华文楷体" panose="02010600040101010101" charset="-122"/>
+              </a:rPr>
+              <a:t>的江南魂。</a:t>
+            </a:r>
+            <a:endParaRPr lang="zh-CN" altLang="en-US" sz="1600">
+              <a:solidFill>
+                <a:schemeClr val="tx1"/>
+              </a:solidFill>
+              <a:latin typeface="华文楷体" panose="02010600040101010101" charset="-122"/>
+              <a:ea typeface="华文楷体" panose="02010600040101010101" charset="-122"/>
+              <a:cs typeface="华文楷体" panose="02010600040101010101" charset="-122"/>
+            </a:endParaRPr>
+          </a:p>
+          <a:p>
+            <a:endParaRPr lang="zh-CN" altLang="en-US" sz="1600">
+              <a:solidFill>
+                <a:schemeClr val="tx1"/>
+              </a:solidFill>
+              <a:latin typeface="华文楷体" panose="02010600040101010101" charset="-122"/>
+              <a:ea typeface="华文楷体" panose="02010600040101010101" charset="-122"/>
+              <a:cs typeface="华文楷体" panose="02010600040101010101" charset="-122"/>
+            </a:endParaRPr>
+          </a:p>
+          <a:p>
+            <a:r>
+              <a:rPr lang="zh-CN" altLang="en-US" sz="1600">
+                <a:solidFill>
+                  <a:schemeClr val="tx1"/>
+                </a:solidFill>
+                <a:latin typeface="华文楷体" panose="02010600040101010101" charset="-122"/>
+                <a:ea typeface="华文楷体" panose="02010600040101010101" charset="-122"/>
+                <a:cs typeface="华文楷体" panose="02010600040101010101" charset="-122"/>
+              </a:rPr>
+              <a:t>此曲非丝非竹，乃是陶胎经窑变、木魂历刀琢后的涅槃清音，恰似少年闻声顿悟时，心壁上那道未裂的釉痕。</a:t>
+            </a:r>
+            <a:endParaRPr lang="zh-CN" altLang="en-US" sz="1600">
+              <a:solidFill>
+                <a:schemeClr val="tx1"/>
+              </a:solidFill>
+              <a:latin typeface="华文楷体" panose="02010600040101010101" charset="-122"/>
+              <a:ea typeface="华文楷体" panose="02010600040101010101" charset="-122"/>
+              <a:cs typeface="华文楷体" panose="02010600040101010101" charset="-122"/>
+            </a:endParaRPr>
+          </a:p>
+          <a:p>
+            <a:endParaRPr lang="zh-CN" altLang="en-US" sz="1600">
+              <a:solidFill>
+                <a:schemeClr val="tx1"/>
+              </a:solidFill>
+              <a:latin typeface="华文楷体" panose="02010600040101010101" charset="-122"/>
+              <a:ea typeface="华文楷体" panose="02010600040101010101" charset="-122"/>
+              <a:cs typeface="华文楷体" panose="02010600040101010101" charset="-122"/>
+            </a:endParaRPr>
+          </a:p>
+          <a:p>
+            <a:r>
+              <a:rPr lang="zh-CN" altLang="en-US" sz="1600">
+                <a:solidFill>
+                  <a:schemeClr val="tx1"/>
+                </a:solidFill>
+                <a:latin typeface="华文楷体" panose="02010600040101010101" charset="-122"/>
+                <a:ea typeface="华文楷体" panose="02010600040101010101" charset="-122"/>
+                <a:cs typeface="华文楷体" panose="02010600040101010101" charset="-122"/>
+              </a:rPr>
+              <a:t>至幻至真的宫商里，沸着华夏</a:t>
+            </a:r>
+            <a:endParaRPr lang="zh-CN" altLang="en-US" sz="1600">
+              <a:solidFill>
+                <a:schemeClr val="tx1"/>
+              </a:solidFill>
+              <a:latin typeface="华文楷体" panose="02010600040101010101" charset="-122"/>
+              <a:ea typeface="华文楷体" panose="02010600040101010101" charset="-122"/>
+              <a:cs typeface="华文楷体" panose="02010600040101010101" charset="-122"/>
+            </a:endParaRPr>
+          </a:p>
+          <a:p>
+            <a:r>
+              <a:rPr lang="en-US" altLang="zh-CN" sz="1600">
+                <a:solidFill>
+                  <a:schemeClr val="tx1"/>
+                </a:solidFill>
+                <a:latin typeface="华文楷体" panose="02010600040101010101" charset="-122"/>
+                <a:ea typeface="华文楷体" panose="02010600040101010101" charset="-122"/>
+                <a:cs typeface="华文楷体" panose="02010600040101010101" charset="-122"/>
+              </a:rPr>
+              <a:t>'</a:t>
+            </a:r>
+            <a:r>
+              <a:rPr lang="zh-CN" altLang="en-US" sz="1600">
+                <a:solidFill>
+                  <a:schemeClr val="tx1"/>
+                </a:solidFill>
+                <a:latin typeface="华文楷体" panose="02010600040101010101" charset="-122"/>
+                <a:ea typeface="华文楷体" panose="02010600040101010101" charset="-122"/>
+                <a:cs typeface="华文楷体" panose="02010600040101010101" charset="-122"/>
+              </a:rPr>
+              <a:t>通感万物</a:t>
+            </a:r>
+            <a:r>
+              <a:rPr lang="en-US" altLang="zh-CN" sz="1600">
+                <a:solidFill>
+                  <a:schemeClr val="tx1"/>
+                </a:solidFill>
+                <a:latin typeface="华文楷体" panose="02010600040101010101" charset="-122"/>
+                <a:ea typeface="华文楷体" panose="02010600040101010101" charset="-122"/>
+                <a:cs typeface="华文楷体" panose="02010600040101010101" charset="-122"/>
+              </a:rPr>
+              <a:t>'</a:t>
+            </a:r>
+            <a:r>
+              <a:rPr lang="zh-CN" altLang="en-US" sz="1600">
+                <a:solidFill>
+                  <a:schemeClr val="tx1"/>
+                </a:solidFill>
+                <a:latin typeface="华文楷体" panose="02010600040101010101" charset="-122"/>
+                <a:ea typeface="华文楷体" panose="02010600040101010101" charset="-122"/>
+                <a:cs typeface="华文楷体" panose="02010600040101010101" charset="-122"/>
+              </a:rPr>
+              <a:t>的千年灵性。</a:t>
+            </a:r>
+            <a:endParaRPr lang="zh-CN" altLang="en-US" sz="1600">
+              <a:solidFill>
+                <a:schemeClr val="tx1"/>
+              </a:solidFill>
+              <a:latin typeface="华文楷体" panose="02010600040101010101" charset="-122"/>
+              <a:ea typeface="华文楷体" panose="02010600040101010101" charset="-122"/>
+              <a:cs typeface="华文楷体" panose="02010600040101010101" charset="-122"/>
+            </a:endParaRPr>
+          </a:p>
+        </p:txBody>
+      </p:sp>
+    </p:spTree>
+  </p:cSld>
+  <p:clrMapOvr>
+    <a:masterClrMapping/>
+  </p:clrMapOvr>
+</p:sld>
+</file>
+
+<file path=ppt/slides/slide19.xml><?xml version="1.0" encoding="utf-8"?>
+<p:sld xmlns:a="http://schemas.openxmlformats.org/drawingml/2006/main" xmlns:r="http://schemas.openxmlformats.org/officeDocument/2006/relationships" xmlns:p="http://schemas.openxmlformats.org/presentationml/2006/main">
+  <p:cSld>
+    <p:bg>
+      <p:bgPr>
+        <a:noFill/>
+        <a:effectLst/>
+      </p:bgPr>
+    </p:bg>
+    <p:spTree>
+      <p:nvGrpSpPr>
+        <p:cNvPr id="1" name=""/>
+        <p:cNvGrpSpPr/>
+        <p:nvPr/>
+      </p:nvGrpSpPr>
+      <p:grpSpPr/>
+      <p:sp>
+        <p:nvSpPr>
+          <p:cNvPr id="3" name="文本框 2"/>
+          <p:cNvSpPr txBox="1"/>
+          <p:nvPr/>
+        </p:nvSpPr>
+        <p:spPr>
+          <a:xfrm>
+            <a:off x="6553200" y="128905"/>
+            <a:ext cx="2888615" cy="6287135"/>
+          </a:xfrm>
+          <a:prstGeom prst="rect">
+            <a:avLst/>
+          </a:prstGeom>
+          <a:noFill/>
+        </p:spPr>
+        <p:txBody>
+          <a:bodyPr wrap="square" rtlCol="0">
+            <a:noAutofit/>
+          </a:bodyPr>
+          <a:p>
+            <a:r>
+              <a:rPr lang="zh-CN" altLang="en-US" sz="1600">
+                <a:solidFill>
+                  <a:schemeClr val="tx1"/>
+                </a:solidFill>
+                <a:latin typeface="华文楷体" panose="02010600040101010101" charset="-122"/>
+                <a:ea typeface="华文楷体" panose="02010600040101010101" charset="-122"/>
+                <a:cs typeface="华文楷体" panose="02010600040101010101" charset="-122"/>
+              </a:rPr>
+              <a:t>卦里相逢</a:t>
+            </a:r>
+            <a:endParaRPr lang="zh-CN" altLang="en-US" sz="1600">
+              <a:solidFill>
+                <a:schemeClr val="tx1"/>
+              </a:solidFill>
+              <a:latin typeface="华文楷体" panose="02010600040101010101" charset="-122"/>
+              <a:ea typeface="华文楷体" panose="02010600040101010101" charset="-122"/>
+              <a:cs typeface="华文楷体" panose="02010600040101010101" charset="-122"/>
+            </a:endParaRPr>
+          </a:p>
+          <a:p>
+            <a:endParaRPr lang="zh-CN" altLang="en-US" sz="1600">
+              <a:solidFill>
+                <a:schemeClr val="tx1"/>
+              </a:solidFill>
+              <a:latin typeface="华文楷体" panose="02010600040101010101" charset="-122"/>
+              <a:ea typeface="华文楷体" panose="02010600040101010101" charset="-122"/>
+              <a:cs typeface="华文楷体" panose="02010600040101010101" charset="-122"/>
+            </a:endParaRPr>
+          </a:p>
+          <a:p>
+            <a:r>
+              <a:rPr lang="zh-CN" altLang="en-US" sz="1600">
+                <a:solidFill>
+                  <a:schemeClr val="tx1"/>
+                </a:solidFill>
+                <a:latin typeface="华文楷体" panose="02010600040101010101" charset="-122"/>
+                <a:ea typeface="华文楷体" panose="02010600040101010101" charset="-122"/>
+                <a:cs typeface="华文楷体" panose="02010600040101010101" charset="-122"/>
+              </a:rPr>
+              <a:t>市井爻光，布衣藏玄。</a:t>
+            </a:r>
+            <a:endParaRPr lang="zh-CN" altLang="en-US" sz="1600">
+              <a:solidFill>
+                <a:schemeClr val="tx1"/>
+              </a:solidFill>
+              <a:latin typeface="华文楷体" panose="02010600040101010101" charset="-122"/>
+              <a:ea typeface="华文楷体" panose="02010600040101010101" charset="-122"/>
+              <a:cs typeface="华文楷体" panose="02010600040101010101" charset="-122"/>
+            </a:endParaRPr>
+          </a:p>
+          <a:p>
+            <a:endParaRPr lang="zh-CN" altLang="en-US" sz="1600">
+              <a:solidFill>
+                <a:schemeClr val="tx1"/>
+              </a:solidFill>
+              <a:latin typeface="华文楷体" panose="02010600040101010101" charset="-122"/>
+              <a:ea typeface="华文楷体" panose="02010600040101010101" charset="-122"/>
+              <a:cs typeface="华文楷体" panose="02010600040101010101" charset="-122"/>
+            </a:endParaRPr>
+          </a:p>
+          <a:p>
+            <a:r>
+              <a:rPr lang="zh-CN" altLang="en-US" sz="1600">
+                <a:solidFill>
+                  <a:schemeClr val="tx1"/>
+                </a:solidFill>
+                <a:latin typeface="华文楷体" panose="02010600040101010101" charset="-122"/>
+                <a:ea typeface="华文楷体" panose="02010600040101010101" charset="-122"/>
+                <a:cs typeface="华文楷体" panose="02010600040101010101" charset="-122"/>
+              </a:rPr>
+              <a:t>看那破幡书谶，桂油添香，卦摊前暗涌着</a:t>
+            </a:r>
+            <a:r>
+              <a:rPr lang="en-US" altLang="zh-CN" sz="1600">
+                <a:solidFill>
+                  <a:schemeClr val="tx1"/>
+                </a:solidFill>
+                <a:latin typeface="华文楷体" panose="02010600040101010101" charset="-122"/>
+                <a:ea typeface="华文楷体" panose="02010600040101010101" charset="-122"/>
+                <a:cs typeface="华文楷体" panose="02010600040101010101" charset="-122"/>
+              </a:rPr>
+              <a:t>'</a:t>
+            </a:r>
+            <a:r>
+              <a:rPr lang="zh-CN" altLang="en-US" sz="1600">
+                <a:solidFill>
+                  <a:schemeClr val="tx1"/>
+                </a:solidFill>
+                <a:latin typeface="华文楷体" panose="02010600040101010101" charset="-122"/>
+                <a:ea typeface="华文楷体" panose="02010600040101010101" charset="-122"/>
+                <a:cs typeface="华文楷体" panose="02010600040101010101" charset="-122"/>
+              </a:rPr>
+              <a:t>阴阳相激</a:t>
+            </a:r>
+            <a:r>
+              <a:rPr lang="en-US" altLang="zh-CN" sz="1600">
+                <a:solidFill>
+                  <a:schemeClr val="tx1"/>
+                </a:solidFill>
+                <a:latin typeface="华文楷体" panose="02010600040101010101" charset="-122"/>
+                <a:ea typeface="华文楷体" panose="02010600040101010101" charset="-122"/>
+                <a:cs typeface="华文楷体" panose="02010600040101010101" charset="-122"/>
+              </a:rPr>
+              <a:t>'</a:t>
+            </a:r>
+            <a:r>
+              <a:rPr lang="zh-CN" altLang="en-US" sz="1600">
+                <a:solidFill>
+                  <a:schemeClr val="tx1"/>
+                </a:solidFill>
+                <a:latin typeface="华文楷体" panose="02010600040101010101" charset="-122"/>
+                <a:ea typeface="华文楷体" panose="02010600040101010101" charset="-122"/>
+                <a:cs typeface="华文楷体" panose="02010600040101010101" charset="-122"/>
+              </a:rPr>
+              <a:t>的易理洪流。</a:t>
+            </a:r>
+            <a:endParaRPr lang="zh-CN" altLang="en-US" sz="1600">
+              <a:solidFill>
+                <a:schemeClr val="tx1"/>
+              </a:solidFill>
+              <a:latin typeface="华文楷体" panose="02010600040101010101" charset="-122"/>
+              <a:ea typeface="华文楷体" panose="02010600040101010101" charset="-122"/>
+              <a:cs typeface="华文楷体" panose="02010600040101010101" charset="-122"/>
+            </a:endParaRPr>
+          </a:p>
+          <a:p>
+            <a:endParaRPr lang="zh-CN" altLang="en-US" sz="1600">
+              <a:solidFill>
+                <a:schemeClr val="tx1"/>
+              </a:solidFill>
+              <a:latin typeface="华文楷体" panose="02010600040101010101" charset="-122"/>
+              <a:ea typeface="华文楷体" panose="02010600040101010101" charset="-122"/>
+              <a:cs typeface="华文楷体" panose="02010600040101010101" charset="-122"/>
+            </a:endParaRPr>
+          </a:p>
+          <a:p>
+            <a:r>
+              <a:rPr lang="zh-CN" altLang="en-US" sz="1600">
+                <a:solidFill>
+                  <a:schemeClr val="tx1"/>
+                </a:solidFill>
+                <a:latin typeface="华文楷体" panose="02010600040101010101" charset="-122"/>
+                <a:ea typeface="华文楷体" panose="02010600040101010101" charset="-122"/>
+                <a:cs typeface="华文楷体" panose="02010600040101010101" charset="-122"/>
+              </a:rPr>
+              <a:t>此局非占非卜，实乃</a:t>
+            </a:r>
+            <a:r>
+              <a:rPr lang="en-US" altLang="zh-CN" sz="1600">
+                <a:solidFill>
+                  <a:schemeClr val="tx1"/>
+                </a:solidFill>
+                <a:latin typeface="华文楷体" panose="02010600040101010101" charset="-122"/>
+                <a:ea typeface="华文楷体" panose="02010600040101010101" charset="-122"/>
+                <a:cs typeface="华文楷体" panose="02010600040101010101" charset="-122"/>
+              </a:rPr>
+              <a:t>'</a:t>
+            </a:r>
+            <a:r>
+              <a:rPr lang="zh-CN" altLang="en-US" sz="1600">
+                <a:solidFill>
+                  <a:schemeClr val="tx1"/>
+                </a:solidFill>
+                <a:latin typeface="华文楷体" panose="02010600040101010101" charset="-122"/>
+                <a:ea typeface="华文楷体" panose="02010600040101010101" charset="-122"/>
+                <a:cs typeface="华文楷体" panose="02010600040101010101" charset="-122"/>
+              </a:rPr>
+              <a:t>坎离交济</a:t>
+            </a:r>
+            <a:r>
+              <a:rPr lang="en-US" altLang="zh-CN" sz="1600">
+                <a:solidFill>
+                  <a:schemeClr val="tx1"/>
+                </a:solidFill>
+                <a:latin typeface="华文楷体" panose="02010600040101010101" charset="-122"/>
+                <a:ea typeface="华文楷体" panose="02010600040101010101" charset="-122"/>
+                <a:cs typeface="华文楷体" panose="02010600040101010101" charset="-122"/>
+              </a:rPr>
+              <a:t>'</a:t>
+            </a:r>
+            <a:r>
+              <a:rPr lang="zh-CN" altLang="en-US" sz="1600">
+                <a:solidFill>
+                  <a:schemeClr val="tx1"/>
+                </a:solidFill>
+                <a:latin typeface="华文楷体" panose="02010600040101010101" charset="-122"/>
+                <a:ea typeface="华文楷体" panose="02010600040101010101" charset="-122"/>
+                <a:cs typeface="华文楷体" panose="02010600040101010101" charset="-122"/>
+              </a:rPr>
+              <a:t>的天机戏场，恰似少年道破情衷时，卦盘上那枚未定的爻钱。</a:t>
+            </a:r>
+            <a:endParaRPr lang="zh-CN" altLang="en-US" sz="1600">
+              <a:solidFill>
+                <a:schemeClr val="tx1"/>
+              </a:solidFill>
+              <a:latin typeface="华文楷体" panose="02010600040101010101" charset="-122"/>
+              <a:ea typeface="华文楷体" panose="02010600040101010101" charset="-122"/>
+              <a:cs typeface="华文楷体" panose="02010600040101010101" charset="-122"/>
+            </a:endParaRPr>
+          </a:p>
+          <a:p>
+            <a:endParaRPr lang="zh-CN" altLang="en-US" sz="1600">
+              <a:solidFill>
+                <a:schemeClr val="tx1"/>
+              </a:solidFill>
+              <a:latin typeface="华文楷体" panose="02010600040101010101" charset="-122"/>
+              <a:ea typeface="华文楷体" panose="02010600040101010101" charset="-122"/>
+              <a:cs typeface="华文楷体" panose="02010600040101010101" charset="-122"/>
+            </a:endParaRPr>
+          </a:p>
+          <a:p>
+            <a:r>
+              <a:rPr lang="zh-CN" altLang="en-US" sz="1600">
+                <a:solidFill>
+                  <a:schemeClr val="tx1"/>
+                </a:solidFill>
+                <a:latin typeface="华文楷体" panose="02010600040101010101" charset="-122"/>
+                <a:ea typeface="华文楷体" panose="02010600040101010101" charset="-122"/>
+                <a:cs typeface="华文楷体" panose="02010600040101010101" charset="-122"/>
+              </a:rPr>
+              <a:t>至俗至雅的尘烟里，烹着华夏</a:t>
+            </a:r>
+            <a:r>
+              <a:rPr lang="en-US" altLang="zh-CN" sz="1600">
+                <a:solidFill>
+                  <a:schemeClr val="tx1"/>
+                </a:solidFill>
+                <a:latin typeface="华文楷体" panose="02010600040101010101" charset="-122"/>
+                <a:ea typeface="华文楷体" panose="02010600040101010101" charset="-122"/>
+                <a:cs typeface="华文楷体" panose="02010600040101010101" charset="-122"/>
+              </a:rPr>
+              <a:t>'</a:t>
+            </a:r>
+            <a:r>
+              <a:rPr lang="zh-CN" altLang="en-US" sz="1600">
+                <a:solidFill>
+                  <a:schemeClr val="tx1"/>
+                </a:solidFill>
+                <a:latin typeface="华文楷体" panose="02010600040101010101" charset="-122"/>
+                <a:ea typeface="华文楷体" panose="02010600040101010101" charset="-122"/>
+                <a:cs typeface="华文楷体" panose="02010600040101010101" charset="-122"/>
+              </a:rPr>
+              <a:t>大隐于市</a:t>
+            </a:r>
+            <a:r>
+              <a:rPr lang="en-US" altLang="zh-CN" sz="1600">
+                <a:solidFill>
+                  <a:schemeClr val="tx1"/>
+                </a:solidFill>
+                <a:latin typeface="华文楷体" panose="02010600040101010101" charset="-122"/>
+                <a:ea typeface="华文楷体" panose="02010600040101010101" charset="-122"/>
+                <a:cs typeface="华文楷体" panose="02010600040101010101" charset="-122"/>
+              </a:rPr>
+              <a:t>'</a:t>
+            </a:r>
+            <a:r>
+              <a:rPr lang="zh-CN" altLang="en-US" sz="1600">
+                <a:solidFill>
+                  <a:schemeClr val="tx1"/>
+                </a:solidFill>
+                <a:latin typeface="华文楷体" panose="02010600040101010101" charset="-122"/>
+                <a:ea typeface="华文楷体" panose="02010600040101010101" charset="-122"/>
+                <a:cs typeface="华文楷体" panose="02010600040101010101" charset="-122"/>
+              </a:rPr>
+              <a:t>的千年道味。</a:t>
+            </a:r>
+            <a:endParaRPr lang="zh-CN" altLang="en-US" sz="1600">
+              <a:solidFill>
+                <a:schemeClr val="tx1"/>
+              </a:solidFill>
+              <a:latin typeface="华文楷体" panose="02010600040101010101" charset="-122"/>
+              <a:ea typeface="华文楷体" panose="02010600040101010101" charset="-122"/>
+              <a:cs typeface="华文楷体" panose="02010600040101010101" charset="-122"/>
+            </a:endParaRPr>
+          </a:p>
+        </p:txBody>
+      </p:sp>
+    </p:spTree>
+  </p:cSld>
+  <p:clrMapOvr>
+    <a:masterClrMapping/>
+  </p:clrMapOvr>
+</p:sld>
+</file>
+
 <file path=ppt/slides/slide2.xml><?xml version="1.0" encoding="utf-8"?>
 <p:sld xmlns:a="http://schemas.openxmlformats.org/drawingml/2006/main" xmlns:r="http://schemas.openxmlformats.org/officeDocument/2006/relationships" xmlns:p="http://schemas.openxmlformats.org/presentationml/2006/main">
   <p:cSld>
@@ -4150,6 +5650,560 @@
                 <a:ea typeface="华文楷体" panose="02010600040101010101" charset="-122"/>
                 <a:cs typeface="华文楷体" panose="02010600040101010101" charset="-122"/>
                 <a:sym typeface="+mn-ea"/>
+              </a:rPr>
+              <a:t>                            </a:t>
+            </a:r>
+            <a:endParaRPr lang="zh-CN" altLang="en-US" sz="2400">
+              <a:solidFill>
+                <a:schemeClr val="bg1"/>
+              </a:solidFill>
+              <a:latin typeface="华文楷体" panose="02010600040101010101" charset="-122"/>
+              <a:ea typeface="华文楷体" panose="02010600040101010101" charset="-122"/>
+              <a:cs typeface="华文楷体" panose="02010600040101010101" charset="-122"/>
+            </a:endParaRPr>
+          </a:p>
+        </p:txBody>
+      </p:sp>
+    </p:spTree>
+  </p:cSld>
+  <p:clrMapOvr>
+    <a:masterClrMapping/>
+  </p:clrMapOvr>
+</p:sld>
+</file>
+
+<file path=ppt/slides/slide20.xml><?xml version="1.0" encoding="utf-8"?>
+<p:sld xmlns:a="http://schemas.openxmlformats.org/drawingml/2006/main" xmlns:r="http://schemas.openxmlformats.org/officeDocument/2006/relationships" xmlns:p="http://schemas.openxmlformats.org/presentationml/2006/main">
+  <p:cSld>
+    <p:bg>
+      <p:bgPr>
+        <a:noFill/>
+        <a:effectLst/>
+      </p:bgPr>
+    </p:bg>
+    <p:spTree>
+      <p:nvGrpSpPr>
+        <p:cNvPr id="1" name=""/>
+        <p:cNvGrpSpPr/>
+        <p:nvPr/>
+      </p:nvGrpSpPr>
+      <p:grpSpPr/>
+      <p:sp>
+        <p:nvSpPr>
+          <p:cNvPr id="3" name="文本框 2"/>
+          <p:cNvSpPr txBox="1"/>
+          <p:nvPr/>
+        </p:nvSpPr>
+        <p:spPr>
+          <a:xfrm>
+            <a:off x="6553200" y="128905"/>
+            <a:ext cx="2888615" cy="6287135"/>
+          </a:xfrm>
+          <a:prstGeom prst="rect">
+            <a:avLst/>
+          </a:prstGeom>
+          <a:noFill/>
+        </p:spPr>
+        <p:txBody>
+          <a:bodyPr wrap="square" rtlCol="0">
+            <a:noAutofit/>
+          </a:bodyPr>
+          <a:p>
+            <a:r>
+              <a:rPr lang="zh-CN" altLang="en-US" sz="1600">
+                <a:solidFill>
+                  <a:schemeClr val="tx1"/>
+                </a:solidFill>
+                <a:latin typeface="华文楷体" panose="02010600040101010101" charset="-122"/>
+                <a:ea typeface="华文楷体" panose="02010600040101010101" charset="-122"/>
+                <a:cs typeface="华文楷体" panose="02010600040101010101" charset="-122"/>
+              </a:rPr>
+              <a:t>冢</a:t>
+            </a:r>
+            <a:r>
+              <a:rPr lang="zh-CN" altLang="en-US" sz="1600">
+                <a:solidFill>
+                  <a:schemeClr val="tx1"/>
+                </a:solidFill>
+                <a:latin typeface="华文楷体" panose="02010600040101010101" charset="-122"/>
+                <a:ea typeface="华文楷体" panose="02010600040101010101" charset="-122"/>
+                <a:cs typeface="华文楷体" panose="02010600040101010101" charset="-122"/>
+              </a:rPr>
+              <a:t>下</a:t>
+            </a:r>
+            <a:endParaRPr lang="zh-CN" altLang="en-US" sz="1600">
+              <a:solidFill>
+                <a:schemeClr val="tx1"/>
+              </a:solidFill>
+              <a:latin typeface="华文楷体" panose="02010600040101010101" charset="-122"/>
+              <a:ea typeface="华文楷体" panose="02010600040101010101" charset="-122"/>
+              <a:cs typeface="华文楷体" panose="02010600040101010101" charset="-122"/>
+            </a:endParaRPr>
+          </a:p>
+          <a:p>
+            <a:endParaRPr lang="zh-CN" altLang="en-US" sz="1600">
+              <a:solidFill>
+                <a:schemeClr val="tx1"/>
+              </a:solidFill>
+              <a:latin typeface="华文楷体" panose="02010600040101010101" charset="-122"/>
+              <a:ea typeface="华文楷体" panose="02010600040101010101" charset="-122"/>
+              <a:cs typeface="华文楷体" panose="02010600040101010101" charset="-122"/>
+            </a:endParaRPr>
+          </a:p>
+          <a:p>
+            <a:r>
+              <a:rPr lang="zh-CN" altLang="en-US" sz="1600">
+                <a:solidFill>
+                  <a:schemeClr val="tx1"/>
+                </a:solidFill>
+                <a:latin typeface="华文楷体" panose="02010600040101010101" charset="-122"/>
+                <a:ea typeface="华文楷体" panose="02010600040101010101" charset="-122"/>
+                <a:cs typeface="华文楷体" panose="02010600040101010101" charset="-122"/>
+              </a:rPr>
+              <a:t>殷墟炉火，饕餮吞光。</a:t>
+            </a:r>
+            <a:endParaRPr lang="zh-CN" altLang="en-US" sz="1600">
+              <a:solidFill>
+                <a:schemeClr val="tx1"/>
+              </a:solidFill>
+              <a:latin typeface="华文楷体" panose="02010600040101010101" charset="-122"/>
+              <a:ea typeface="华文楷体" panose="02010600040101010101" charset="-122"/>
+              <a:cs typeface="华文楷体" panose="02010600040101010101" charset="-122"/>
+            </a:endParaRPr>
+          </a:p>
+          <a:p>
+            <a:endParaRPr lang="zh-CN" altLang="en-US" sz="1600">
+              <a:solidFill>
+                <a:schemeClr val="tx1"/>
+              </a:solidFill>
+              <a:latin typeface="华文楷体" panose="02010600040101010101" charset="-122"/>
+              <a:ea typeface="华文楷体" panose="02010600040101010101" charset="-122"/>
+              <a:cs typeface="华文楷体" panose="02010600040101010101" charset="-122"/>
+            </a:endParaRPr>
+          </a:p>
+          <a:p>
+            <a:r>
+              <a:rPr lang="zh-CN" altLang="en-US" sz="1600">
+                <a:solidFill>
+                  <a:schemeClr val="tx1"/>
+                </a:solidFill>
+                <a:latin typeface="华文楷体" panose="02010600040101010101" charset="-122"/>
+                <a:ea typeface="华文楷体" panose="02010600040101010101" charset="-122"/>
+                <a:cs typeface="华文楷体" panose="02010600040101010101" charset="-122"/>
+              </a:rPr>
+              <a:t>看那陶范凝血，铜汁凝泪，重鼎上盘踞着</a:t>
+            </a:r>
+            <a:r>
+              <a:rPr lang="en-US" altLang="zh-CN" sz="1600">
+                <a:solidFill>
+                  <a:schemeClr val="tx1"/>
+                </a:solidFill>
+                <a:latin typeface="华文楷体" panose="02010600040101010101" charset="-122"/>
+                <a:ea typeface="华文楷体" panose="02010600040101010101" charset="-122"/>
+                <a:cs typeface="华文楷体" panose="02010600040101010101" charset="-122"/>
+              </a:rPr>
+              <a:t>'</a:t>
+            </a:r>
+            <a:r>
+              <a:rPr lang="zh-CN" altLang="en-US" sz="1600">
+                <a:solidFill>
+                  <a:schemeClr val="tx1"/>
+                </a:solidFill>
+                <a:latin typeface="华文楷体" panose="02010600040101010101" charset="-122"/>
+                <a:ea typeface="华文楷体" panose="02010600040101010101" charset="-122"/>
+                <a:cs typeface="华文楷体" panose="02010600040101010101" charset="-122"/>
+              </a:rPr>
+              <a:t>礼藏于器</a:t>
+            </a:r>
+            <a:r>
+              <a:rPr lang="en-US" altLang="zh-CN" sz="1600">
+                <a:solidFill>
+                  <a:schemeClr val="tx1"/>
+                </a:solidFill>
+                <a:latin typeface="华文楷体" panose="02010600040101010101" charset="-122"/>
+                <a:ea typeface="华文楷体" panose="02010600040101010101" charset="-122"/>
+                <a:cs typeface="华文楷体" panose="02010600040101010101" charset="-122"/>
+              </a:rPr>
+              <a:t>'</a:t>
+            </a:r>
+            <a:r>
+              <a:rPr lang="zh-CN" altLang="en-US" sz="1600">
+                <a:solidFill>
+                  <a:schemeClr val="tx1"/>
+                </a:solidFill>
+                <a:latin typeface="华文楷体" panose="02010600040101010101" charset="-122"/>
+                <a:ea typeface="华文楷体" panose="02010600040101010101" charset="-122"/>
+                <a:cs typeface="华文楷体" panose="02010600040101010101" charset="-122"/>
+              </a:rPr>
+              <a:t>的生死玄机。</a:t>
+            </a:r>
+            <a:endParaRPr lang="zh-CN" altLang="en-US" sz="1600">
+              <a:solidFill>
+                <a:schemeClr val="tx1"/>
+              </a:solidFill>
+              <a:latin typeface="华文楷体" panose="02010600040101010101" charset="-122"/>
+              <a:ea typeface="华文楷体" panose="02010600040101010101" charset="-122"/>
+              <a:cs typeface="华文楷体" panose="02010600040101010101" charset="-122"/>
+            </a:endParaRPr>
+          </a:p>
+          <a:p>
+            <a:endParaRPr lang="zh-CN" altLang="en-US" sz="1600">
+              <a:solidFill>
+                <a:schemeClr val="tx1"/>
+              </a:solidFill>
+              <a:latin typeface="华文楷体" panose="02010600040101010101" charset="-122"/>
+              <a:ea typeface="华文楷体" panose="02010600040101010101" charset="-122"/>
+              <a:cs typeface="华文楷体" panose="02010600040101010101" charset="-122"/>
+            </a:endParaRPr>
+          </a:p>
+          <a:p>
+            <a:r>
+              <a:rPr lang="zh-CN" altLang="en-US" sz="1600">
+                <a:solidFill>
+                  <a:schemeClr val="tx1"/>
+                </a:solidFill>
+                <a:latin typeface="华文楷体" panose="02010600040101010101" charset="-122"/>
+                <a:ea typeface="华文楷体" panose="02010600040101010101" charset="-122"/>
+                <a:cs typeface="华文楷体" panose="02010600040101010101" charset="-122"/>
+              </a:rPr>
+              <a:t>此纹非兽非妖，实乃</a:t>
+            </a:r>
+            <a:r>
+              <a:rPr lang="en-US" altLang="zh-CN" sz="1600">
+                <a:solidFill>
+                  <a:schemeClr val="tx1"/>
+                </a:solidFill>
+                <a:latin typeface="华文楷体" panose="02010600040101010101" charset="-122"/>
+                <a:ea typeface="华文楷体" panose="02010600040101010101" charset="-122"/>
+                <a:cs typeface="华文楷体" panose="02010600040101010101" charset="-122"/>
+              </a:rPr>
+              <a:t>'</a:t>
+            </a:r>
+            <a:r>
+              <a:rPr lang="zh-CN" altLang="en-US" sz="1600">
+                <a:solidFill>
+                  <a:schemeClr val="tx1"/>
+                </a:solidFill>
+                <a:latin typeface="华文楷体" panose="02010600040101010101" charset="-122"/>
+                <a:ea typeface="华文楷体" panose="02010600040101010101" charset="-122"/>
+                <a:cs typeface="华文楷体" panose="02010600040101010101" charset="-122"/>
+              </a:rPr>
+              <a:t>戒贪镇魂</a:t>
+            </a:r>
+            <a:r>
+              <a:rPr lang="en-US" altLang="zh-CN" sz="1600">
+                <a:solidFill>
+                  <a:schemeClr val="tx1"/>
+                </a:solidFill>
+                <a:latin typeface="华文楷体" panose="02010600040101010101" charset="-122"/>
+                <a:ea typeface="华文楷体" panose="02010600040101010101" charset="-122"/>
+                <a:cs typeface="华文楷体" panose="02010600040101010101" charset="-122"/>
+              </a:rPr>
+              <a:t>'</a:t>
+            </a:r>
+            <a:r>
+              <a:rPr lang="zh-CN" altLang="en-US" sz="1600">
+                <a:solidFill>
+                  <a:schemeClr val="tx1"/>
+                </a:solidFill>
+                <a:latin typeface="华文楷体" panose="02010600040101010101" charset="-122"/>
+                <a:ea typeface="华文楷体" panose="02010600040101010101" charset="-122"/>
+                <a:cs typeface="华文楷体" panose="02010600040101010101" charset="-122"/>
+              </a:rPr>
+              <a:t>的千古箴言，恰似少年欲解未言时，掌心那道未冷的绳痕。</a:t>
+            </a:r>
+            <a:endParaRPr lang="zh-CN" altLang="en-US" sz="1600">
+              <a:solidFill>
+                <a:schemeClr val="tx1"/>
+              </a:solidFill>
+              <a:latin typeface="华文楷体" panose="02010600040101010101" charset="-122"/>
+              <a:ea typeface="华文楷体" panose="02010600040101010101" charset="-122"/>
+              <a:cs typeface="华文楷体" panose="02010600040101010101" charset="-122"/>
+            </a:endParaRPr>
+          </a:p>
+          <a:p>
+            <a:endParaRPr lang="zh-CN" altLang="en-US" sz="1600">
+              <a:solidFill>
+                <a:schemeClr val="tx1"/>
+              </a:solidFill>
+              <a:latin typeface="华文楷体" panose="02010600040101010101" charset="-122"/>
+              <a:ea typeface="华文楷体" panose="02010600040101010101" charset="-122"/>
+              <a:cs typeface="华文楷体" panose="02010600040101010101" charset="-122"/>
+            </a:endParaRPr>
+          </a:p>
+          <a:p>
+            <a:r>
+              <a:rPr lang="zh-CN" altLang="en-US" sz="1600">
+                <a:solidFill>
+                  <a:schemeClr val="tx1"/>
+                </a:solidFill>
+                <a:latin typeface="华文楷体" panose="02010600040101010101" charset="-122"/>
+                <a:ea typeface="华文楷体" panose="02010600040101010101" charset="-122"/>
+                <a:cs typeface="华文楷体" panose="02010600040101010101" charset="-122"/>
+              </a:rPr>
+              <a:t>至重至寂的玄铜里，铸着华夏</a:t>
+            </a:r>
+            <a:r>
+              <a:rPr lang="en-US" altLang="zh-CN" sz="1600">
+                <a:solidFill>
+                  <a:schemeClr val="tx1"/>
+                </a:solidFill>
+                <a:latin typeface="华文楷体" panose="02010600040101010101" charset="-122"/>
+                <a:ea typeface="华文楷体" panose="02010600040101010101" charset="-122"/>
+                <a:cs typeface="华文楷体" panose="02010600040101010101" charset="-122"/>
+              </a:rPr>
+              <a:t>'</a:t>
+            </a:r>
+            <a:r>
+              <a:rPr lang="zh-CN" altLang="en-US" sz="1600">
+                <a:solidFill>
+                  <a:schemeClr val="tx1"/>
+                </a:solidFill>
+                <a:latin typeface="华文楷体" panose="02010600040101010101" charset="-122"/>
+                <a:ea typeface="华文楷体" panose="02010600040101010101" charset="-122"/>
+                <a:cs typeface="华文楷体" panose="02010600040101010101" charset="-122"/>
+              </a:rPr>
+              <a:t>敬天畏命</a:t>
+            </a:r>
+            <a:r>
+              <a:rPr lang="en-US" altLang="zh-CN" sz="1600">
+                <a:solidFill>
+                  <a:schemeClr val="tx1"/>
+                </a:solidFill>
+                <a:latin typeface="华文楷体" panose="02010600040101010101" charset="-122"/>
+                <a:ea typeface="华文楷体" panose="02010600040101010101" charset="-122"/>
+                <a:cs typeface="华文楷体" panose="02010600040101010101" charset="-122"/>
+              </a:rPr>
+              <a:t>'</a:t>
+            </a:r>
+            <a:r>
+              <a:rPr lang="zh-CN" altLang="en-US" sz="1600">
+                <a:solidFill>
+                  <a:schemeClr val="tx1"/>
+                </a:solidFill>
+                <a:latin typeface="华文楷体" panose="02010600040101010101" charset="-122"/>
+                <a:ea typeface="华文楷体" panose="02010600040101010101" charset="-122"/>
+                <a:cs typeface="华文楷体" panose="02010600040101010101" charset="-122"/>
+              </a:rPr>
+              <a:t>的初代道心。</a:t>
+            </a:r>
+            <a:endParaRPr lang="zh-CN" altLang="en-US" sz="1600">
+              <a:solidFill>
+                <a:schemeClr val="tx1"/>
+              </a:solidFill>
+              <a:latin typeface="华文楷体" panose="02010600040101010101" charset="-122"/>
+              <a:ea typeface="华文楷体" panose="02010600040101010101" charset="-122"/>
+              <a:cs typeface="华文楷体" panose="02010600040101010101" charset="-122"/>
+            </a:endParaRPr>
+          </a:p>
+        </p:txBody>
+      </p:sp>
+      <p:sp>
+        <p:nvSpPr>
+          <p:cNvPr id="2" name="文本框 1"/>
+          <p:cNvSpPr txBox="1"/>
+          <p:nvPr/>
+        </p:nvSpPr>
+        <p:spPr>
+          <a:xfrm>
+            <a:off x="3143250" y="3035300"/>
+            <a:ext cx="4064000" cy="368300"/>
+          </a:xfrm>
+          <a:prstGeom prst="rect">
+            <a:avLst/>
+          </a:prstGeom>
+          <a:noFill/>
+        </p:spPr>
+        <p:txBody>
+          <a:bodyPr wrap="square" rtlCol="0">
+            <a:spAutoFit/>
+          </a:bodyPr>
+          <a:p>
+            <a:endParaRPr lang="zh-CN" altLang="en-US"/>
+          </a:p>
+        </p:txBody>
+      </p:sp>
+    </p:spTree>
+  </p:cSld>
+  <p:clrMapOvr>
+    <a:masterClrMapping/>
+  </p:clrMapOvr>
+</p:sld>
+</file>
+
+<file path=ppt/slides/slide21.xml><?xml version="1.0" encoding="utf-8"?>
+<p:sld xmlns:a="http://schemas.openxmlformats.org/drawingml/2006/main" xmlns:r="http://schemas.openxmlformats.org/officeDocument/2006/relationships" xmlns:p="http://schemas.openxmlformats.org/presentationml/2006/main">
+  <p:cSld>
+    <p:bg>
+      <p:bgPr>
+        <a:solidFill>
+          <a:schemeClr val="tx1"/>
+        </a:solidFill>
+        <a:effectLst/>
+      </p:bgPr>
+    </p:bg>
+    <p:spTree>
+      <p:nvGrpSpPr>
+        <p:cNvPr id="1" name=""/>
+        <p:cNvGrpSpPr/>
+        <p:nvPr/>
+      </p:nvGrpSpPr>
+      <p:grpSpPr/>
+      <p:sp>
+        <p:nvSpPr>
+          <p:cNvPr id="2" name="标题 1"/>
+          <p:cNvSpPr>
+            <a:spLocks noGrp="1"/>
+          </p:cNvSpPr>
+          <p:nvPr>
+            <p:ph type="ctrTitle"/>
+          </p:nvPr>
+        </p:nvSpPr>
+        <p:spPr>
+          <a:xfrm>
+            <a:off x="1524000" y="977900"/>
+            <a:ext cx="9144000" cy="2056130"/>
+          </a:xfrm>
+        </p:spPr>
+        <p:txBody>
+          <a:bodyPr/>
+          <a:p>
+            <a:r>
+              <a:rPr lang="zh-CN" altLang="en-US" sz="8000">
+                <a:solidFill>
+                  <a:schemeClr val="bg1"/>
+                </a:solidFill>
+                <a:latin typeface="HanWangLiSuMedium" panose="02000500000000000000" charset="-120"/>
+                <a:ea typeface="HanWangLiSuMedium" panose="02000500000000000000" charset="-120"/>
+              </a:rPr>
+              <a:t>冢</a:t>
+            </a:r>
+            <a:r>
+              <a:rPr lang="zh-CN" altLang="en-US" sz="8000">
+                <a:solidFill>
+                  <a:schemeClr val="bg1"/>
+                </a:solidFill>
+                <a:latin typeface="HanWangLiSuMedium" panose="02000500000000000000" charset="-120"/>
+                <a:ea typeface="HanWangLiSuMedium" panose="02000500000000000000" charset="-120"/>
+              </a:rPr>
+              <a:t>下</a:t>
+            </a:r>
+            <a:endParaRPr lang="zh-CN" altLang="en-US" sz="8000">
+              <a:solidFill>
+                <a:schemeClr val="bg1"/>
+              </a:solidFill>
+              <a:latin typeface="HanWangLiSuMedium" panose="02000500000000000000" charset="-120"/>
+              <a:ea typeface="HanWangLiSuMedium" panose="02000500000000000000" charset="-120"/>
+            </a:endParaRPr>
+          </a:p>
+        </p:txBody>
+      </p:sp>
+      <p:sp>
+        <p:nvSpPr>
+          <p:cNvPr id="3" name="文本框 2"/>
+          <p:cNvSpPr txBox="1"/>
+          <p:nvPr/>
+        </p:nvSpPr>
+        <p:spPr>
+          <a:xfrm>
+            <a:off x="941705" y="4343400"/>
+            <a:ext cx="10805160" cy="1222375"/>
+          </a:xfrm>
+          <a:prstGeom prst="rect">
+            <a:avLst/>
+          </a:prstGeom>
+          <a:noFill/>
+        </p:spPr>
+        <p:txBody>
+          <a:bodyPr wrap="square" rtlCol="0">
+            <a:noAutofit/>
+          </a:bodyPr>
+          <a:p>
+            <a:r>
+              <a:rPr lang="en-US" altLang="zh-CN" sz="2400">
+                <a:solidFill>
+                  <a:schemeClr val="bg1"/>
+                </a:solidFill>
+                <a:latin typeface="华文楷体" panose="02010600040101010101" charset="-122"/>
+                <a:ea typeface="华文楷体" panose="02010600040101010101" charset="-122"/>
+                <a:cs typeface="华文楷体" panose="02010600040101010101" charset="-122"/>
+              </a:rPr>
+              <a:t>                                   	  </a:t>
+            </a:r>
+            <a:r>
+              <a:rPr lang="zh-CN" altLang="en-US" sz="2400">
+                <a:solidFill>
+                  <a:schemeClr val="bg1"/>
+                </a:solidFill>
+                <a:latin typeface="华文楷体" panose="02010600040101010101" charset="-122"/>
+                <a:ea typeface="华文楷体" panose="02010600040101010101" charset="-122"/>
+                <a:cs typeface="华文楷体" panose="02010600040101010101" charset="-122"/>
+              </a:rPr>
+              <a:t>蓦然回首，那人却在，灯火阑珊处</a:t>
+            </a:r>
+            <a:endParaRPr lang="zh-CN" altLang="en-US" sz="2400">
+              <a:solidFill>
+                <a:schemeClr val="bg1"/>
+              </a:solidFill>
+              <a:latin typeface="华文楷体" panose="02010600040101010101" charset="-122"/>
+              <a:ea typeface="华文楷体" panose="02010600040101010101" charset="-122"/>
+              <a:cs typeface="华文楷体" panose="02010600040101010101" charset="-122"/>
+            </a:endParaRPr>
+          </a:p>
+          <a:p>
+            <a:pPr marL="3657600" lvl="8" indent="457200"/>
+            <a:r>
+              <a:rPr lang="en-US" altLang="zh-CN" sz="2400">
+                <a:solidFill>
+                  <a:schemeClr val="bg1"/>
+                </a:solidFill>
+                <a:latin typeface="华文楷体" panose="02010600040101010101" charset="-122"/>
+                <a:ea typeface="华文楷体" panose="02010600040101010101" charset="-122"/>
+                <a:cs typeface="华文楷体" panose="02010600040101010101" charset="-122"/>
+              </a:rPr>
+              <a:t>                                ——</a:t>
+            </a:r>
+            <a:r>
+              <a:rPr lang="zh-CN" altLang="en-US" sz="2400">
+                <a:solidFill>
+                  <a:schemeClr val="bg1"/>
+                </a:solidFill>
+                <a:latin typeface="华文楷体" panose="02010600040101010101" charset="-122"/>
+                <a:ea typeface="华文楷体" panose="02010600040101010101" charset="-122"/>
+                <a:cs typeface="华文楷体" panose="02010600040101010101" charset="-122"/>
+              </a:rPr>
+              <a:t>辛弃疾《青玉案</a:t>
+            </a:r>
+            <a:r>
+              <a:rPr lang="en-US" altLang="zh-CN" sz="2400">
+                <a:solidFill>
+                  <a:schemeClr val="bg1"/>
+                </a:solidFill>
+                <a:latin typeface="华文楷体" panose="02010600040101010101" charset="-122"/>
+                <a:ea typeface="华文楷体" panose="02010600040101010101" charset="-122"/>
+                <a:cs typeface="华文楷体" panose="02010600040101010101" charset="-122"/>
+              </a:rPr>
+              <a:t>·</a:t>
+            </a:r>
+            <a:r>
+              <a:rPr lang="zh-CN" altLang="en-US" sz="2400">
+                <a:solidFill>
+                  <a:schemeClr val="bg1"/>
+                </a:solidFill>
+                <a:latin typeface="华文楷体" panose="02010600040101010101" charset="-122"/>
+                <a:ea typeface="华文楷体" panose="02010600040101010101" charset="-122"/>
+                <a:cs typeface="华文楷体" panose="02010600040101010101" charset="-122"/>
+              </a:rPr>
+              <a:t>元夕》</a:t>
+            </a:r>
+            <a:r>
+              <a:rPr lang="en-US" altLang="zh-CN" sz="2400">
+                <a:solidFill>
+                  <a:schemeClr val="bg1"/>
+                </a:solidFill>
+                <a:latin typeface="华文楷体" panose="02010600040101010101" charset="-122"/>
+                <a:ea typeface="华文楷体" panose="02010600040101010101" charset="-122"/>
+                <a:cs typeface="华文楷体" panose="02010600040101010101" charset="-122"/>
               </a:rPr>
               <a:t>                            </a:t>
             </a:r>
